--- a/3. Views & Authentication/Laravel Views & Authentication.pptx
+++ b/3. Views & Authentication/Laravel Views & Authentication.pptx
@@ -7046,6 +7046,25 @@
                 <a:cs typeface="Courier New" panose="02070309020205020404" pitchFamily="49" charset="0"/>
               </a:rPr>
               <a:t>$user = Auth::user();</a:t>
+            </a:r>
+          </a:p>
+          <a:p>
+            <a:pPr marL="118872" indent="0">
+              <a:buNone/>
+            </a:pPr>
+            <a:r>
+              <a:rPr lang="en-MY" sz="1600" b="1">
+                <a:latin typeface="Courier New" panose="02070309020205020404" pitchFamily="49" charset="0"/>
+                <a:cs typeface="Courier New" panose="02070309020205020404" pitchFamily="49" charset="0"/>
+              </a:rPr>
+              <a:t>$user = auth</a:t>
+            </a:r>
+            <a:r>
+              <a:rPr lang="en-MY" sz="1600" b="1" dirty="0">
+                <a:latin typeface="Courier New" panose="02070309020205020404" pitchFamily="49" charset="0"/>
+                <a:cs typeface="Courier New" panose="02070309020205020404" pitchFamily="49" charset="0"/>
+              </a:rPr>
+              <a:t>()-&gt;user()-&gt;name;</a:t>
             </a:r>
           </a:p>
           <a:p>

--- a/3. Views & Authentication/Laravel Views & Authentication.pptx
+++ b/3. Views & Authentication/Laravel Views & Authentication.pptx
@@ -232,7 +232,7 @@
             <a:fld id="{0DF9046C-84B7-4047-BA2E-B0333C727CA0}" type="datetimeFigureOut">
               <a:rPr lang="en-US" smtClean="0"/>
               <a:pPr/>
-              <a:t>12/22/22</a:t>
+              <a:t>6/26/23</a:t>
             </a:fld>
             <a:endParaRPr lang="en-US"/>
           </a:p>
@@ -827,7 +827,7 @@
             <a:fld id="{F98B4641-DB92-4816-AC0F-FCAE07F9B854}" type="datetimeFigureOut">
               <a:rPr lang="en-US" smtClean="0"/>
               <a:pPr/>
-              <a:t>12/22/22</a:t>
+              <a:t>6/26/23</a:t>
             </a:fld>
             <a:endParaRPr lang="en-US"/>
           </a:p>
@@ -1045,7 +1045,7 @@
             <a:fld id="{F98B4641-DB92-4816-AC0F-FCAE07F9B854}" type="datetimeFigureOut">
               <a:rPr lang="en-US" smtClean="0"/>
               <a:pPr/>
-              <a:t>12/22/22</a:t>
+              <a:t>6/26/23</a:t>
             </a:fld>
             <a:endParaRPr lang="en-US"/>
           </a:p>
@@ -1318,7 +1318,7 @@
             <a:fld id="{F98B4641-DB92-4816-AC0F-FCAE07F9B854}" type="datetimeFigureOut">
               <a:rPr lang="en-US" smtClean="0"/>
               <a:pPr/>
-              <a:t>12/22/22</a:t>
+              <a:t>6/26/23</a:t>
             </a:fld>
             <a:endParaRPr lang="en-US"/>
           </a:p>
@@ -1511,7 +1511,7 @@
             <a:fld id="{F98B4641-DB92-4816-AC0F-FCAE07F9B854}" type="datetimeFigureOut">
               <a:rPr lang="en-US" smtClean="0"/>
               <a:pPr/>
-              <a:t>12/22/22</a:t>
+              <a:t>6/26/23</a:t>
             </a:fld>
             <a:endParaRPr lang="en-US"/>
           </a:p>
@@ -1866,7 +1866,7 @@
             <a:fld id="{F98B4641-DB92-4816-AC0F-FCAE07F9B854}" type="datetimeFigureOut">
               <a:rPr lang="en-US" smtClean="0"/>
               <a:pPr/>
-              <a:t>12/22/22</a:t>
+              <a:t>6/26/23</a:t>
             </a:fld>
             <a:endParaRPr lang="en-US"/>
           </a:p>
@@ -2152,7 +2152,7 @@
             <a:fld id="{F98B4641-DB92-4816-AC0F-FCAE07F9B854}" type="datetimeFigureOut">
               <a:rPr lang="en-US" smtClean="0"/>
               <a:pPr/>
-              <a:t>12/22/22</a:t>
+              <a:t>6/26/23</a:t>
             </a:fld>
             <a:endParaRPr lang="en-US"/>
           </a:p>
@@ -2575,7 +2575,7 @@
             <a:fld id="{F98B4641-DB92-4816-AC0F-FCAE07F9B854}" type="datetimeFigureOut">
               <a:rPr lang="en-US" smtClean="0"/>
               <a:pPr/>
-              <a:t>12/22/22</a:t>
+              <a:t>6/26/23</a:t>
             </a:fld>
             <a:endParaRPr lang="en-US"/>
           </a:p>
@@ -2689,7 +2689,7 @@
             <a:fld id="{F98B4641-DB92-4816-AC0F-FCAE07F9B854}" type="datetimeFigureOut">
               <a:rPr lang="en-US" smtClean="0"/>
               <a:pPr/>
-              <a:t>12/22/22</a:t>
+              <a:t>6/26/23</a:t>
             </a:fld>
             <a:endParaRPr lang="en-US"/>
           </a:p>
@@ -2781,7 +2781,7 @@
             <a:fld id="{F98B4641-DB92-4816-AC0F-FCAE07F9B854}" type="datetimeFigureOut">
               <a:rPr lang="en-US" smtClean="0"/>
               <a:pPr/>
-              <a:t>12/22/22</a:t>
+              <a:t>6/26/23</a:t>
             </a:fld>
             <a:endParaRPr lang="en-US"/>
           </a:p>
@@ -3060,7 +3060,7 @@
             <a:fld id="{F98B4641-DB92-4816-AC0F-FCAE07F9B854}" type="datetimeFigureOut">
               <a:rPr lang="en-US" smtClean="0"/>
               <a:pPr/>
-              <a:t>12/22/22</a:t>
+              <a:t>6/26/23</a:t>
             </a:fld>
             <a:endParaRPr lang="en-US"/>
           </a:p>
@@ -3423,7 +3423,7 @@
             <a:fld id="{F98B4641-DB92-4816-AC0F-FCAE07F9B854}" type="datetimeFigureOut">
               <a:rPr lang="en-US" smtClean="0"/>
               <a:pPr/>
-              <a:t>12/22/22</a:t>
+              <a:t>6/26/23</a:t>
             </a:fld>
             <a:endParaRPr lang="en-US"/>
           </a:p>
@@ -3848,7 +3848,7 @@
             <a:fld id="{F98B4641-DB92-4816-AC0F-FCAE07F9B854}" type="datetimeFigureOut">
               <a:rPr lang="en-US" smtClean="0"/>
               <a:pPr/>
-              <a:t>12/22/22</a:t>
+              <a:t>6/26/23</a:t>
             </a:fld>
             <a:endParaRPr lang="en-US"/>
           </a:p>
@@ -6773,8 +6773,13 @@
           <a:p>
             <a:r>
               <a:rPr lang="en-US" dirty="0"/>
-              <a:t>Authorized Microsoft Partner</a:t>
-            </a:r>
+              <a:t>Authorized </a:t>
+            </a:r>
+            <a:r>
+              <a:rPr lang="en-US"/>
+              <a:t>Microsoft Partner</a:t>
+            </a:r>
+            <a:endParaRPr lang="en-US" dirty="0"/>
           </a:p>
           <a:p>
             <a:r>
